--- a/Praesentationen_Schulungen/Teil2/2210_IOT_Schulung_Teil2_v2.pptx
+++ b/Praesentationen_Schulungen/Teil2/2210_IOT_Schulung_Teil2_v2.pptx
@@ -156,7 +156,7 @@
   <pc:docChgLst>
     <pc:chgData name="FISCHER Armin" userId="c67f3e5b-be9f-4b38-9198-5811d350eee0" providerId="ADAL" clId="{948888CA-806B-4685-9EE5-151963BB09A3}"/>
     <pc:docChg chg="undo redo custSel addSld delSld modSld sldOrd modMainMaster">
-      <pc:chgData name="FISCHER Armin" userId="c67f3e5b-be9f-4b38-9198-5811d350eee0" providerId="ADAL" clId="{948888CA-806B-4685-9EE5-151963BB09A3}" dt="2022-10-04T19:03:13.085" v="3558" actId="20577"/>
+      <pc:chgData name="FISCHER Armin" userId="c67f3e5b-be9f-4b38-9198-5811d350eee0" providerId="ADAL" clId="{948888CA-806B-4685-9EE5-151963BB09A3}" dt="2022-10-04T19:06:32.824" v="3568" actId="5793"/>
       <pc:docMkLst>
         <pc:docMk/>
       </pc:docMkLst>
@@ -613,14 +613,14 @@
           </ac:graphicFrameMkLst>
         </pc:graphicFrameChg>
       </pc:sldChg>
-      <pc:sldChg chg="modSp new mod">
-        <pc:chgData name="FISCHER Armin" userId="c67f3e5b-be9f-4b38-9198-5811d350eee0" providerId="ADAL" clId="{948888CA-806B-4685-9EE5-151963BB09A3}" dt="2022-10-04T16:50:58.981" v="2426" actId="20577"/>
+      <pc:sldChg chg="addSp modSp new mod">
+        <pc:chgData name="FISCHER Armin" userId="c67f3e5b-be9f-4b38-9198-5811d350eee0" providerId="ADAL" clId="{948888CA-806B-4685-9EE5-151963BB09A3}" dt="2022-10-04T19:06:32.824" v="3568" actId="5793"/>
         <pc:sldMkLst>
           <pc:docMk/>
           <pc:sldMk cId="3723743756" sldId="300"/>
         </pc:sldMkLst>
         <pc:spChg chg="mod">
-          <ac:chgData name="FISCHER Armin" userId="c67f3e5b-be9f-4b38-9198-5811d350eee0" providerId="ADAL" clId="{948888CA-806B-4685-9EE5-151963BB09A3}" dt="2022-10-04T16:50:58.981" v="2426" actId="20577"/>
+          <ac:chgData name="FISCHER Armin" userId="c67f3e5b-be9f-4b38-9198-5811d350eee0" providerId="ADAL" clId="{948888CA-806B-4685-9EE5-151963BB09A3}" dt="2022-10-04T19:06:32.824" v="3568" actId="5793"/>
           <ac:spMkLst>
             <pc:docMk/>
             <pc:sldMk cId="3723743756" sldId="300"/>
@@ -635,6 +635,14 @@
             <ac:spMk id="5" creationId="{1EEA95CE-6FDE-9125-6EEB-FC4B7DDE89F3}"/>
           </ac:spMkLst>
         </pc:spChg>
+        <pc:picChg chg="add mod">
+          <ac:chgData name="FISCHER Armin" userId="c67f3e5b-be9f-4b38-9198-5811d350eee0" providerId="ADAL" clId="{948888CA-806B-4685-9EE5-151963BB09A3}" dt="2022-10-04T19:06:15.926" v="3562" actId="29295"/>
+          <ac:picMkLst>
+            <pc:docMk/>
+            <pc:sldMk cId="3723743756" sldId="300"/>
+            <ac:picMk id="8" creationId="{2BAC7E89-0696-913D-D324-4430853DEED4}"/>
+          </ac:picMkLst>
+        </pc:picChg>
       </pc:sldChg>
       <pc:sldChg chg="modSp new mod">
         <pc:chgData name="FISCHER Armin" userId="c67f3e5b-be9f-4b38-9198-5811d350eee0" providerId="ADAL" clId="{948888CA-806B-4685-9EE5-151963BB09A3}" dt="2022-10-04T16:38:47.402" v="1653" actId="20577"/>
@@ -8406,6 +8414,11 @@
               <a:rPr lang="de-AT" dirty="0"/>
               <a:t> an </a:t>
             </a:r>
+          </a:p>
+          <a:p>
+            <a:pPr marL="0" indent="0">
+              <a:buNone/>
+            </a:pPr>
             <a:r>
               <a:rPr lang="de-AT" dirty="0" err="1"/>
               <a:t>Thingworxserver</a:t>
@@ -8435,7 +8448,25 @@
             </a:r>
             <a:r>
               <a:rPr lang="de-AT" dirty="0"/>
-              <a:t> kann morgen eine Drohne in der AR gesteuert werden.</a:t>
+              <a:t> </a:t>
+            </a:r>
+          </a:p>
+          <a:p>
+            <a:pPr marL="0" indent="0">
+              <a:buNone/>
+            </a:pPr>
+            <a:r>
+              <a:rPr lang="de-AT" dirty="0"/>
+              <a:t>kann morgen eine Drohne in der AR </a:t>
+            </a:r>
+          </a:p>
+          <a:p>
+            <a:pPr marL="0" indent="0">
+              <a:buNone/>
+            </a:pPr>
+            <a:r>
+              <a:rPr lang="de-AT" dirty="0"/>
+              <a:t>gesteuert werden.</a:t>
             </a:r>
           </a:p>
         </p:txBody>
@@ -8574,6 +8605,43 @@
           </a:p>
         </p:txBody>
       </p:sp>
+      <p:pic>
+        <p:nvPicPr>
+          <p:cNvPr id="8" name="Grafik 7">
+            <a:extLst>
+              <a:ext uri="{FF2B5EF4-FFF2-40B4-BE49-F238E27FC236}">
+                <a16:creationId xmlns:a16="http://schemas.microsoft.com/office/drawing/2014/main" id="{2BAC7E89-0696-913D-D324-4430853DEED4}"/>
+              </a:ext>
+            </a:extLst>
+          </p:cNvPr>
+          <p:cNvPicPr>
+            <a:picLocks noChangeAspect="1"/>
+          </p:cNvPicPr>
+          <p:nvPr/>
+        </p:nvPicPr>
+        <p:blipFill>
+          <a:blip r:embed="rId2">
+            <a:alphaModFix amt="50000"/>
+            <a:extLst>
+              <a:ext uri="{28A0092B-C50C-407E-A947-70E740481C1C}">
+                <a14:useLocalDpi xmlns:a14="http://schemas.microsoft.com/office/drawing/2010/main" val="0"/>
+              </a:ext>
+            </a:extLst>
+          </a:blip>
+          <a:stretch>
+            <a:fillRect/>
+          </a:stretch>
+        </p:blipFill>
+        <p:spPr>
+          <a:xfrm>
+            <a:off x="4966282" y="2279997"/>
+            <a:ext cx="6803040" cy="3965228"/>
+          </a:xfrm>
+          <a:prstGeom prst="rect">
+            <a:avLst/>
+          </a:prstGeom>
+        </p:spPr>
+      </p:pic>
     </p:spTree>
     <p:extLst>
       <p:ext uri="{BB962C8B-B14F-4D97-AF65-F5344CB8AC3E}">
